--- a/Thesis/ThesisArbeit_V13/images/Sensor_Auflösungen.pptx
+++ b/Thesis/ThesisArbeit_V13/images/Sensor_Auflösungen.pptx
@@ -104,6 +104,11 @@
       </a:defRPr>
     </a:lvl9pPr>
   </p:defaultTextStyle>
+  <p:extLst>
+    <p:ext uri="{EFAFB233-063F-42B5-8137-9DF3F51BA10A}">
+      <p15:sldGuideLst xmlns:p15="http://schemas.microsoft.com/office/powerpoint/2012/main"/>
+    </p:ext>
+  </p:extLst>
 </p:presentation>
 </file>
 
@@ -256,7 +261,7 @@
           <a:p>
             <a:fld id="{AFBF900A-912B-46A5-8E3D-633CDDEF1D9E}" type="datetimeFigureOut">
               <a:rPr lang="de-DE" smtClean="0"/>
-              <a:t>01.05.2018</a:t>
+              <a:t>21.05.2018</a:t>
             </a:fld>
             <a:endParaRPr lang="de-DE"/>
           </a:p>
@@ -456,7 +461,7 @@
           <a:p>
             <a:fld id="{AFBF900A-912B-46A5-8E3D-633CDDEF1D9E}" type="datetimeFigureOut">
               <a:rPr lang="de-DE" smtClean="0"/>
-              <a:t>01.05.2018</a:t>
+              <a:t>21.05.2018</a:t>
             </a:fld>
             <a:endParaRPr lang="de-DE"/>
           </a:p>
@@ -666,7 +671,7 @@
           <a:p>
             <a:fld id="{AFBF900A-912B-46A5-8E3D-633CDDEF1D9E}" type="datetimeFigureOut">
               <a:rPr lang="de-DE" smtClean="0"/>
-              <a:t>01.05.2018</a:t>
+              <a:t>21.05.2018</a:t>
             </a:fld>
             <a:endParaRPr lang="de-DE"/>
           </a:p>
@@ -866,7 +871,7 @@
           <a:p>
             <a:fld id="{AFBF900A-912B-46A5-8E3D-633CDDEF1D9E}" type="datetimeFigureOut">
               <a:rPr lang="de-DE" smtClean="0"/>
-              <a:t>01.05.2018</a:t>
+              <a:t>21.05.2018</a:t>
             </a:fld>
             <a:endParaRPr lang="de-DE"/>
           </a:p>
@@ -1142,7 +1147,7 @@
           <a:p>
             <a:fld id="{AFBF900A-912B-46A5-8E3D-633CDDEF1D9E}" type="datetimeFigureOut">
               <a:rPr lang="de-DE" smtClean="0"/>
-              <a:t>01.05.2018</a:t>
+              <a:t>21.05.2018</a:t>
             </a:fld>
             <a:endParaRPr lang="de-DE"/>
           </a:p>
@@ -1410,7 +1415,7 @@
           <a:p>
             <a:fld id="{AFBF900A-912B-46A5-8E3D-633CDDEF1D9E}" type="datetimeFigureOut">
               <a:rPr lang="de-DE" smtClean="0"/>
-              <a:t>01.05.2018</a:t>
+              <a:t>21.05.2018</a:t>
             </a:fld>
             <a:endParaRPr lang="de-DE"/>
           </a:p>
@@ -1825,7 +1830,7 @@
           <a:p>
             <a:fld id="{AFBF900A-912B-46A5-8E3D-633CDDEF1D9E}" type="datetimeFigureOut">
               <a:rPr lang="de-DE" smtClean="0"/>
-              <a:t>01.05.2018</a:t>
+              <a:t>21.05.2018</a:t>
             </a:fld>
             <a:endParaRPr lang="de-DE"/>
           </a:p>
@@ -1967,7 +1972,7 @@
           <a:p>
             <a:fld id="{AFBF900A-912B-46A5-8E3D-633CDDEF1D9E}" type="datetimeFigureOut">
               <a:rPr lang="de-DE" smtClean="0"/>
-              <a:t>01.05.2018</a:t>
+              <a:t>21.05.2018</a:t>
             </a:fld>
             <a:endParaRPr lang="de-DE"/>
           </a:p>
@@ -2080,7 +2085,7 @@
           <a:p>
             <a:fld id="{AFBF900A-912B-46A5-8E3D-633CDDEF1D9E}" type="datetimeFigureOut">
               <a:rPr lang="de-DE" smtClean="0"/>
-              <a:t>01.05.2018</a:t>
+              <a:t>21.05.2018</a:t>
             </a:fld>
             <a:endParaRPr lang="de-DE"/>
           </a:p>
@@ -2393,7 +2398,7 @@
           <a:p>
             <a:fld id="{AFBF900A-912B-46A5-8E3D-633CDDEF1D9E}" type="datetimeFigureOut">
               <a:rPr lang="de-DE" smtClean="0"/>
-              <a:t>01.05.2018</a:t>
+              <a:t>21.05.2018</a:t>
             </a:fld>
             <a:endParaRPr lang="de-DE"/>
           </a:p>
@@ -2682,7 +2687,7 @@
           <a:p>
             <a:fld id="{AFBF900A-912B-46A5-8E3D-633CDDEF1D9E}" type="datetimeFigureOut">
               <a:rPr lang="de-DE" smtClean="0"/>
-              <a:t>01.05.2018</a:t>
+              <a:t>21.05.2018</a:t>
             </a:fld>
             <a:endParaRPr lang="de-DE"/>
           </a:p>
@@ -2925,7 +2930,7 @@
           <a:p>
             <a:fld id="{AFBF900A-912B-46A5-8E3D-633CDDEF1D9E}" type="datetimeFigureOut">
               <a:rPr lang="de-DE" smtClean="0"/>
-              <a:t>01.05.2018</a:t>
+              <a:t>21.05.2018</a:t>
             </a:fld>
             <a:endParaRPr lang="de-DE"/>
           </a:p>
@@ -3356,7 +3361,7 @@
         </p:nvSpPr>
         <p:spPr>
           <a:xfrm>
-            <a:off x="4309142" y="1171142"/>
+            <a:off x="2505992" y="2355678"/>
             <a:ext cx="3355597" cy="1744910"/>
           </a:xfrm>
           <a:prstGeom prst="rect">
@@ -3415,7 +3420,7 @@
         </p:nvSpPr>
         <p:spPr>
           <a:xfrm>
-            <a:off x="4462941" y="1286141"/>
+            <a:off x="2659791" y="2470677"/>
             <a:ext cx="293615" cy="260059"/>
           </a:xfrm>
           <a:prstGeom prst="rect">
@@ -3461,7 +3466,7 @@
         </p:nvSpPr>
         <p:spPr>
           <a:xfrm>
-            <a:off x="4914548" y="1298375"/>
+            <a:off x="3111398" y="2482911"/>
             <a:ext cx="293615" cy="260059"/>
           </a:xfrm>
           <a:prstGeom prst="rect">
@@ -3507,7 +3512,7 @@
         </p:nvSpPr>
         <p:spPr>
           <a:xfrm>
-            <a:off x="5366155" y="1298375"/>
+            <a:off x="3563005" y="2482911"/>
             <a:ext cx="293615" cy="260059"/>
           </a:xfrm>
           <a:prstGeom prst="rect">
@@ -3553,7 +3558,7 @@
         </p:nvSpPr>
         <p:spPr>
           <a:xfrm>
-            <a:off x="5817762" y="1305716"/>
+            <a:off x="4014612" y="2490252"/>
             <a:ext cx="293615" cy="260059"/>
           </a:xfrm>
           <a:prstGeom prst="rect">
@@ -3599,7 +3604,7 @@
         </p:nvSpPr>
         <p:spPr>
           <a:xfrm>
-            <a:off x="6269369" y="1305716"/>
+            <a:off x="4466219" y="2490252"/>
             <a:ext cx="293615" cy="260059"/>
           </a:xfrm>
           <a:prstGeom prst="rect">
@@ -3645,7 +3650,7 @@
         </p:nvSpPr>
         <p:spPr>
           <a:xfrm>
-            <a:off x="6720976" y="1307114"/>
+            <a:off x="4917826" y="2491650"/>
             <a:ext cx="293615" cy="260059"/>
           </a:xfrm>
           <a:prstGeom prst="rect">
@@ -3691,7 +3696,7 @@
         </p:nvSpPr>
         <p:spPr>
           <a:xfrm>
-            <a:off x="7168390" y="1298374"/>
+            <a:off x="5365240" y="2482910"/>
             <a:ext cx="293615" cy="260059"/>
           </a:xfrm>
           <a:prstGeom prst="rect">
@@ -3737,7 +3742,7 @@
         </p:nvSpPr>
         <p:spPr>
           <a:xfrm>
-            <a:off x="4455950" y="1698600"/>
+            <a:off x="2652800" y="2883136"/>
             <a:ext cx="293615" cy="260059"/>
           </a:xfrm>
           <a:prstGeom prst="rect">
@@ -3783,7 +3788,7 @@
         </p:nvSpPr>
         <p:spPr>
           <a:xfrm>
-            <a:off x="4907557" y="1710834"/>
+            <a:off x="3104407" y="2895370"/>
             <a:ext cx="293615" cy="260059"/>
           </a:xfrm>
           <a:prstGeom prst="rect">
@@ -3829,7 +3834,7 @@
         </p:nvSpPr>
         <p:spPr>
           <a:xfrm>
-            <a:off x="5359164" y="1710834"/>
+            <a:off x="3556014" y="2895370"/>
             <a:ext cx="293615" cy="260059"/>
           </a:xfrm>
           <a:prstGeom prst="rect">
@@ -3875,7 +3880,7 @@
         </p:nvSpPr>
         <p:spPr>
           <a:xfrm>
-            <a:off x="5810771" y="1718175"/>
+            <a:off x="4007621" y="2902711"/>
             <a:ext cx="293615" cy="260059"/>
           </a:xfrm>
           <a:prstGeom prst="rect">
@@ -3921,7 +3926,7 @@
         </p:nvSpPr>
         <p:spPr>
           <a:xfrm>
-            <a:off x="6262378" y="1718175"/>
+            <a:off x="4459228" y="2902711"/>
             <a:ext cx="293615" cy="260059"/>
           </a:xfrm>
           <a:prstGeom prst="rect">
@@ -3967,7 +3972,7 @@
         </p:nvSpPr>
         <p:spPr>
           <a:xfrm>
-            <a:off x="6713985" y="1719573"/>
+            <a:off x="4910835" y="2904109"/>
             <a:ext cx="293615" cy="260059"/>
           </a:xfrm>
           <a:prstGeom prst="rect">
@@ -4013,7 +4018,7 @@
         </p:nvSpPr>
         <p:spPr>
           <a:xfrm>
-            <a:off x="7161399" y="1710833"/>
+            <a:off x="5358249" y="2895369"/>
             <a:ext cx="293615" cy="260059"/>
           </a:xfrm>
           <a:prstGeom prst="rect">
@@ -4059,7 +4064,7 @@
         </p:nvSpPr>
         <p:spPr>
           <a:xfrm>
-            <a:off x="4457348" y="2111059"/>
+            <a:off x="2654198" y="3295595"/>
             <a:ext cx="293615" cy="260059"/>
           </a:xfrm>
           <a:prstGeom prst="rect">
@@ -4105,7 +4110,7 @@
         </p:nvSpPr>
         <p:spPr>
           <a:xfrm>
-            <a:off x="4908955" y="2123293"/>
+            <a:off x="3105805" y="3307829"/>
             <a:ext cx="293615" cy="260059"/>
           </a:xfrm>
           <a:prstGeom prst="rect">
@@ -4151,7 +4156,7 @@
         </p:nvSpPr>
         <p:spPr>
           <a:xfrm>
-            <a:off x="5360562" y="2123293"/>
+            <a:off x="3557412" y="3307829"/>
             <a:ext cx="293615" cy="260059"/>
           </a:xfrm>
           <a:prstGeom prst="rect">
@@ -4197,7 +4202,7 @@
         </p:nvSpPr>
         <p:spPr>
           <a:xfrm>
-            <a:off x="5812169" y="2130634"/>
+            <a:off x="4009019" y="3315170"/>
             <a:ext cx="293615" cy="260059"/>
           </a:xfrm>
           <a:prstGeom prst="rect">
@@ -4243,7 +4248,7 @@
         </p:nvSpPr>
         <p:spPr>
           <a:xfrm>
-            <a:off x="6263776" y="2130634"/>
+            <a:off x="4460626" y="3315170"/>
             <a:ext cx="293615" cy="260059"/>
           </a:xfrm>
           <a:prstGeom prst="rect">
@@ -4289,7 +4294,7 @@
         </p:nvSpPr>
         <p:spPr>
           <a:xfrm>
-            <a:off x="6715383" y="2132032"/>
+            <a:off x="4912233" y="3316568"/>
             <a:ext cx="293615" cy="260059"/>
           </a:xfrm>
           <a:prstGeom prst="rect">
@@ -4335,7 +4340,7 @@
         </p:nvSpPr>
         <p:spPr>
           <a:xfrm>
-            <a:off x="7162797" y="2123292"/>
+            <a:off x="5359647" y="3307828"/>
             <a:ext cx="293615" cy="260059"/>
           </a:xfrm>
           <a:prstGeom prst="rect">
@@ -4381,7 +4386,7 @@
         </p:nvSpPr>
         <p:spPr>
           <a:xfrm>
-            <a:off x="4458746" y="2523518"/>
+            <a:off x="2655596" y="3708054"/>
             <a:ext cx="293615" cy="260059"/>
           </a:xfrm>
           <a:prstGeom prst="rect">
@@ -4427,7 +4432,7 @@
         </p:nvSpPr>
         <p:spPr>
           <a:xfrm>
-            <a:off x="4910353" y="2527363"/>
+            <a:off x="3107203" y="3711899"/>
             <a:ext cx="293615" cy="260059"/>
           </a:xfrm>
           <a:prstGeom prst="rect">
@@ -4473,7 +4478,7 @@
         </p:nvSpPr>
         <p:spPr>
           <a:xfrm>
-            <a:off x="5361960" y="2535752"/>
+            <a:off x="3558810" y="3720288"/>
             <a:ext cx="293615" cy="260059"/>
           </a:xfrm>
           <a:prstGeom prst="rect">
@@ -4519,7 +4524,7 @@
         </p:nvSpPr>
         <p:spPr>
           <a:xfrm>
-            <a:off x="5813567" y="2534704"/>
+            <a:off x="4010417" y="3719240"/>
             <a:ext cx="293615" cy="260059"/>
           </a:xfrm>
           <a:prstGeom prst="rect">
@@ -4565,7 +4570,7 @@
         </p:nvSpPr>
         <p:spPr>
           <a:xfrm>
-            <a:off x="6265174" y="2534704"/>
+            <a:off x="4462024" y="3719240"/>
             <a:ext cx="293615" cy="260059"/>
           </a:xfrm>
           <a:prstGeom prst="rect">
@@ -4611,7 +4616,7 @@
         </p:nvSpPr>
         <p:spPr>
           <a:xfrm>
-            <a:off x="6716781" y="2536102"/>
+            <a:off x="4913631" y="3720638"/>
             <a:ext cx="293615" cy="260059"/>
           </a:xfrm>
           <a:prstGeom prst="rect">
@@ -4657,7 +4662,7 @@
         </p:nvSpPr>
         <p:spPr>
           <a:xfrm>
-            <a:off x="7164195" y="2535751"/>
+            <a:off x="5361045" y="3720287"/>
             <a:ext cx="293615" cy="260059"/>
           </a:xfrm>
           <a:prstGeom prst="rect">
@@ -4703,8 +4708,8 @@
         </p:nvSpPr>
         <p:spPr>
           <a:xfrm>
-            <a:off x="2339318" y="1275143"/>
-            <a:ext cx="1177823" cy="276999"/>
+            <a:off x="317444" y="2442695"/>
+            <a:ext cx="1502463" cy="338554"/>
           </a:xfrm>
           <a:prstGeom prst="rect">
             <a:avLst/>
@@ -4718,7 +4723,7 @@
           <a:lstStyle/>
           <a:p>
             <a:r>
-              <a:rPr lang="de-DE" sz="1200" dirty="0"/>
+              <a:rPr lang="de-DE" sz="1600" dirty="0"/>
               <a:t>Original Pixel px</a:t>
             </a:r>
           </a:p>
@@ -4738,7 +4743,7 @@
         </p:nvSpPr>
         <p:spPr>
           <a:xfrm>
-            <a:off x="4376254" y="2085018"/>
+            <a:off x="2573104" y="3269554"/>
             <a:ext cx="922790" cy="726524"/>
           </a:xfrm>
           <a:prstGeom prst="rect">
@@ -4790,8 +4795,8 @@
         </p:nvSpPr>
         <p:spPr>
           <a:xfrm>
-            <a:off x="2215642" y="2260663"/>
-            <a:ext cx="1559401" cy="276999"/>
+            <a:off x="86424" y="3405952"/>
+            <a:ext cx="2023567" cy="338554"/>
           </a:xfrm>
           <a:prstGeom prst="rect">
             <a:avLst/>
@@ -4805,7 +4810,7 @@
           <a:lstStyle/>
           <a:p>
             <a:r>
-              <a:rPr lang="de-DE" sz="1200" dirty="0"/>
+              <a:rPr lang="de-DE" sz="1600" dirty="0"/>
               <a:t>interpolierter Pixel px‘</a:t>
             </a:r>
           </a:p>
@@ -4825,7 +4830,7 @@
         </p:nvCxnSpPr>
         <p:spPr>
           <a:xfrm>
-            <a:off x="3872156" y="2399162"/>
+            <a:off x="2069006" y="3583698"/>
             <a:ext cx="357291" cy="0"/>
           </a:xfrm>
           <a:prstGeom prst="straightConnector1">
@@ -4864,7 +4869,7 @@
         </p:nvCxnSpPr>
         <p:spPr>
           <a:xfrm>
-            <a:off x="3865165" y="1427436"/>
+            <a:off x="2062015" y="2611972"/>
             <a:ext cx="357291" cy="0"/>
           </a:xfrm>
           <a:prstGeom prst="straightConnector1">
@@ -4903,7 +4908,7 @@
         </p:nvSpPr>
         <p:spPr>
           <a:xfrm>
-            <a:off x="4309142" y="3441411"/>
+            <a:off x="6803968" y="2355678"/>
             <a:ext cx="3355597" cy="1744910"/>
           </a:xfrm>
           <a:prstGeom prst="rect">
@@ -4962,7 +4967,7 @@
         </p:nvSpPr>
         <p:spPr>
           <a:xfrm>
-            <a:off x="4462941" y="3556410"/>
+            <a:off x="6957767" y="2470677"/>
             <a:ext cx="293615" cy="260059"/>
           </a:xfrm>
           <a:prstGeom prst="rect">
@@ -5008,7 +5013,7 @@
         </p:nvSpPr>
         <p:spPr>
           <a:xfrm>
-            <a:off x="4914548" y="3568644"/>
+            <a:off x="7409374" y="2482911"/>
             <a:ext cx="293615" cy="260059"/>
           </a:xfrm>
           <a:prstGeom prst="rect">
@@ -5054,7 +5059,7 @@
         </p:nvSpPr>
         <p:spPr>
           <a:xfrm>
-            <a:off x="5366155" y="3568644"/>
+            <a:off x="7860981" y="2482911"/>
             <a:ext cx="293615" cy="260059"/>
           </a:xfrm>
           <a:prstGeom prst="rect">
@@ -5100,7 +5105,7 @@
         </p:nvSpPr>
         <p:spPr>
           <a:xfrm>
-            <a:off x="5817762" y="3575985"/>
+            <a:off x="8312588" y="2490252"/>
             <a:ext cx="293615" cy="260059"/>
           </a:xfrm>
           <a:prstGeom prst="rect">
@@ -5146,7 +5151,7 @@
         </p:nvSpPr>
         <p:spPr>
           <a:xfrm>
-            <a:off x="6269369" y="3575985"/>
+            <a:off x="8764195" y="2490252"/>
             <a:ext cx="293615" cy="260059"/>
           </a:xfrm>
           <a:prstGeom prst="rect">
@@ -5192,7 +5197,7 @@
         </p:nvSpPr>
         <p:spPr>
           <a:xfrm>
-            <a:off x="6720976" y="3577383"/>
+            <a:off x="9215802" y="2491650"/>
             <a:ext cx="293615" cy="260059"/>
           </a:xfrm>
           <a:prstGeom prst="rect">
@@ -5238,7 +5243,7 @@
         </p:nvSpPr>
         <p:spPr>
           <a:xfrm>
-            <a:off x="7168390" y="3568643"/>
+            <a:off x="9663216" y="2482910"/>
             <a:ext cx="293615" cy="260059"/>
           </a:xfrm>
           <a:prstGeom prst="rect">
@@ -5284,7 +5289,7 @@
         </p:nvSpPr>
         <p:spPr>
           <a:xfrm>
-            <a:off x="4455950" y="3968869"/>
+            <a:off x="6950776" y="2883136"/>
             <a:ext cx="293615" cy="260059"/>
           </a:xfrm>
           <a:prstGeom prst="rect">
@@ -5330,7 +5335,7 @@
         </p:nvSpPr>
         <p:spPr>
           <a:xfrm>
-            <a:off x="4907557" y="3981103"/>
+            <a:off x="7402383" y="2895370"/>
             <a:ext cx="293615" cy="260059"/>
           </a:xfrm>
           <a:prstGeom prst="rect">
@@ -5376,7 +5381,7 @@
         </p:nvSpPr>
         <p:spPr>
           <a:xfrm>
-            <a:off x="5359164" y="3981103"/>
+            <a:off x="7853990" y="2895370"/>
             <a:ext cx="293615" cy="260059"/>
           </a:xfrm>
           <a:prstGeom prst="rect">
@@ -5422,7 +5427,7 @@
         </p:nvSpPr>
         <p:spPr>
           <a:xfrm>
-            <a:off x="5810771" y="3988444"/>
+            <a:off x="8305597" y="2902711"/>
             <a:ext cx="293615" cy="260059"/>
           </a:xfrm>
           <a:prstGeom prst="rect">
@@ -5468,7 +5473,7 @@
         </p:nvSpPr>
         <p:spPr>
           <a:xfrm>
-            <a:off x="6262378" y="3988444"/>
+            <a:off x="8757204" y="2902711"/>
             <a:ext cx="293615" cy="260059"/>
           </a:xfrm>
           <a:prstGeom prst="rect">
@@ -5514,7 +5519,7 @@
         </p:nvSpPr>
         <p:spPr>
           <a:xfrm>
-            <a:off x="6713985" y="3989842"/>
+            <a:off x="9208811" y="2904109"/>
             <a:ext cx="293615" cy="260059"/>
           </a:xfrm>
           <a:prstGeom prst="rect">
@@ -5560,7 +5565,7 @@
         </p:nvSpPr>
         <p:spPr>
           <a:xfrm>
-            <a:off x="7161399" y="3981102"/>
+            <a:off x="9656225" y="2895369"/>
             <a:ext cx="293615" cy="260059"/>
           </a:xfrm>
           <a:prstGeom prst="rect">
@@ -5606,7 +5611,7 @@
         </p:nvSpPr>
         <p:spPr>
           <a:xfrm>
-            <a:off x="4457348" y="4381328"/>
+            <a:off x="6952174" y="3295595"/>
             <a:ext cx="293615" cy="260059"/>
           </a:xfrm>
           <a:prstGeom prst="rect">
@@ -5652,7 +5657,7 @@
         </p:nvSpPr>
         <p:spPr>
           <a:xfrm>
-            <a:off x="4908955" y="4393562"/>
+            <a:off x="7403781" y="3307829"/>
             <a:ext cx="293615" cy="260059"/>
           </a:xfrm>
           <a:prstGeom prst="rect">
@@ -5698,7 +5703,7 @@
         </p:nvSpPr>
         <p:spPr>
           <a:xfrm>
-            <a:off x="5360562" y="4393562"/>
+            <a:off x="7855388" y="3307829"/>
             <a:ext cx="293615" cy="260059"/>
           </a:xfrm>
           <a:prstGeom prst="rect">
@@ -5744,7 +5749,7 @@
         </p:nvSpPr>
         <p:spPr>
           <a:xfrm>
-            <a:off x="5812169" y="4400903"/>
+            <a:off x="8306995" y="3315170"/>
             <a:ext cx="293615" cy="260059"/>
           </a:xfrm>
           <a:prstGeom prst="rect">
@@ -5790,7 +5795,7 @@
         </p:nvSpPr>
         <p:spPr>
           <a:xfrm>
-            <a:off x="6263776" y="4400903"/>
+            <a:off x="8758602" y="3315170"/>
             <a:ext cx="293615" cy="260059"/>
           </a:xfrm>
           <a:prstGeom prst="rect">
@@ -5836,7 +5841,7 @@
         </p:nvSpPr>
         <p:spPr>
           <a:xfrm>
-            <a:off x="6715383" y="4402301"/>
+            <a:off x="9210209" y="3316568"/>
             <a:ext cx="293615" cy="260059"/>
           </a:xfrm>
           <a:prstGeom prst="rect">
@@ -5882,7 +5887,7 @@
         </p:nvSpPr>
         <p:spPr>
           <a:xfrm>
-            <a:off x="7162797" y="4393561"/>
+            <a:off x="9657623" y="3307828"/>
             <a:ext cx="293615" cy="260059"/>
           </a:xfrm>
           <a:prstGeom prst="rect">
@@ -5928,7 +5933,7 @@
         </p:nvSpPr>
         <p:spPr>
           <a:xfrm>
-            <a:off x="4458746" y="4793787"/>
+            <a:off x="6953572" y="3708054"/>
             <a:ext cx="293615" cy="260059"/>
           </a:xfrm>
           <a:prstGeom prst="rect">
@@ -5974,7 +5979,7 @@
         </p:nvSpPr>
         <p:spPr>
           <a:xfrm>
-            <a:off x="4910353" y="4797632"/>
+            <a:off x="7405179" y="3711899"/>
             <a:ext cx="293615" cy="260059"/>
           </a:xfrm>
           <a:prstGeom prst="rect">
@@ -6020,7 +6025,7 @@
         </p:nvSpPr>
         <p:spPr>
           <a:xfrm>
-            <a:off x="5361960" y="4806021"/>
+            <a:off x="7856786" y="3720288"/>
             <a:ext cx="293615" cy="260059"/>
           </a:xfrm>
           <a:prstGeom prst="rect">
@@ -6066,7 +6071,7 @@
         </p:nvSpPr>
         <p:spPr>
           <a:xfrm>
-            <a:off x="5813567" y="4804973"/>
+            <a:off x="8308393" y="3719240"/>
             <a:ext cx="293615" cy="260059"/>
           </a:xfrm>
           <a:prstGeom prst="rect">
@@ -6112,7 +6117,7 @@
         </p:nvSpPr>
         <p:spPr>
           <a:xfrm>
-            <a:off x="6265174" y="4804973"/>
+            <a:off x="8760000" y="3719240"/>
             <a:ext cx="293615" cy="260059"/>
           </a:xfrm>
           <a:prstGeom prst="rect">
@@ -6158,7 +6163,7 @@
         </p:nvSpPr>
         <p:spPr>
           <a:xfrm>
-            <a:off x="6716781" y="4806371"/>
+            <a:off x="9211607" y="3720638"/>
             <a:ext cx="293615" cy="260059"/>
           </a:xfrm>
           <a:prstGeom prst="rect">
@@ -6204,7 +6209,7 @@
         </p:nvSpPr>
         <p:spPr>
           <a:xfrm>
-            <a:off x="7164195" y="4806020"/>
+            <a:off x="9659021" y="3720287"/>
             <a:ext cx="293615" cy="260059"/>
           </a:xfrm>
           <a:prstGeom prst="rect">
@@ -6250,7 +6255,7 @@
         </p:nvSpPr>
         <p:spPr>
           <a:xfrm>
-            <a:off x="4837649" y="3429000"/>
+            <a:off x="7332475" y="2343267"/>
             <a:ext cx="2259437" cy="1744910"/>
           </a:xfrm>
           <a:prstGeom prst="rect">
@@ -6302,8 +6307,8 @@
         </p:nvSpPr>
         <p:spPr>
           <a:xfrm>
-            <a:off x="4971870" y="5490110"/>
-            <a:ext cx="2189529" cy="461665"/>
+            <a:off x="7473687" y="4437370"/>
+            <a:ext cx="2189529" cy="830997"/>
           </a:xfrm>
           <a:prstGeom prst="rect">
             <a:avLst/>
@@ -6317,7 +6322,7 @@
           <a:lstStyle/>
           <a:p>
             <a:r>
-              <a:rPr lang="de-DE" sz="1200" dirty="0"/>
+              <a:rPr lang="de-DE" sz="1600" dirty="0"/>
               <a:t>Genutzer Sensorbereich bei verändertem Seitenverhältnis</a:t>
             </a:r>
           </a:p>
@@ -6339,7 +6344,7 @@
         </p:nvCxnSpPr>
         <p:spPr>
           <a:xfrm flipV="1">
-            <a:off x="5957578" y="5253433"/>
+            <a:off x="8452404" y="4167700"/>
             <a:ext cx="0" cy="303789"/>
           </a:xfrm>
           <a:prstGeom prst="straightConnector1">
@@ -6378,8 +6383,8 @@
         </p:nvSpPr>
         <p:spPr>
           <a:xfrm>
-            <a:off x="3745909" y="664574"/>
-            <a:ext cx="304892" cy="276999"/>
+            <a:off x="1942759" y="1849110"/>
+            <a:ext cx="344966" cy="338554"/>
           </a:xfrm>
           <a:prstGeom prst="rect">
             <a:avLst/>
@@ -6393,7 +6398,7 @@
           <a:lstStyle/>
           <a:p>
             <a:r>
-              <a:rPr lang="de-DE" sz="1200" dirty="0"/>
+              <a:rPr lang="de-DE" sz="1600" dirty="0"/>
               <a:t>a)</a:t>
             </a:r>
           </a:p>
@@ -6413,8 +6418,8 @@
         </p:nvSpPr>
         <p:spPr>
           <a:xfrm>
-            <a:off x="3745909" y="3232388"/>
-            <a:ext cx="311304" cy="276999"/>
+            <a:off x="6450698" y="1793105"/>
+            <a:ext cx="354584" cy="338554"/>
           </a:xfrm>
           <a:prstGeom prst="rect">
             <a:avLst/>
@@ -6428,7 +6433,7 @@
           <a:lstStyle/>
           <a:p>
             <a:r>
-              <a:rPr lang="de-DE" sz="1200" dirty="0"/>
+              <a:rPr lang="de-DE" sz="1600" dirty="0"/>
               <a:t>b)</a:t>
             </a:r>
           </a:p>
